--- a/simulations_studie_V2.pptx
+++ b/simulations_studie_V2.pptx
@@ -8,6 +8,7 @@
     <p:sldId id="257" r:id="rId2"/>
     <p:sldId id="256" r:id="rId3"/>
     <p:sldId id="259" r:id="rId4"/>
+    <p:sldId id="260" r:id="rId5"/>
   </p:sldIdLst>
   <p:sldSz cx="12192000" cy="6858000"/>
   <p:notesSz cx="6858000" cy="9144000"/>
@@ -245,7 +246,7 @@
           <a:p>
             <a:fld id="{A67D087F-8803-444D-B9B2-709C7947D58C}" type="datetimeFigureOut">
               <a:rPr lang="en-US" smtClean="0"/>
-              <a:t>10/20/2021</a:t>
+              <a:t>12/6/2021</a:t>
             </a:fld>
             <a:endParaRPr lang="en-US"/>
           </a:p>
@@ -415,7 +416,7 @@
           <a:p>
             <a:fld id="{A67D087F-8803-444D-B9B2-709C7947D58C}" type="datetimeFigureOut">
               <a:rPr lang="en-US" smtClean="0"/>
-              <a:t>10/20/2021</a:t>
+              <a:t>12/6/2021</a:t>
             </a:fld>
             <a:endParaRPr lang="en-US"/>
           </a:p>
@@ -595,7 +596,7 @@
           <a:p>
             <a:fld id="{A67D087F-8803-444D-B9B2-709C7947D58C}" type="datetimeFigureOut">
               <a:rPr lang="en-US" smtClean="0"/>
-              <a:t>10/20/2021</a:t>
+              <a:t>12/6/2021</a:t>
             </a:fld>
             <a:endParaRPr lang="en-US"/>
           </a:p>
@@ -765,7 +766,7 @@
           <a:p>
             <a:fld id="{A67D087F-8803-444D-B9B2-709C7947D58C}" type="datetimeFigureOut">
               <a:rPr lang="en-US" smtClean="0"/>
-              <a:t>10/20/2021</a:t>
+              <a:t>12/6/2021</a:t>
             </a:fld>
             <a:endParaRPr lang="en-US"/>
           </a:p>
@@ -1011,7 +1012,7 @@
           <a:p>
             <a:fld id="{A67D087F-8803-444D-B9B2-709C7947D58C}" type="datetimeFigureOut">
               <a:rPr lang="en-US" smtClean="0"/>
-              <a:t>10/20/2021</a:t>
+              <a:t>12/6/2021</a:t>
             </a:fld>
             <a:endParaRPr lang="en-US"/>
           </a:p>
@@ -1243,7 +1244,7 @@
           <a:p>
             <a:fld id="{A67D087F-8803-444D-B9B2-709C7947D58C}" type="datetimeFigureOut">
               <a:rPr lang="en-US" smtClean="0"/>
-              <a:t>10/20/2021</a:t>
+              <a:t>12/6/2021</a:t>
             </a:fld>
             <a:endParaRPr lang="en-US"/>
           </a:p>
@@ -1610,7 +1611,7 @@
           <a:p>
             <a:fld id="{A67D087F-8803-444D-B9B2-709C7947D58C}" type="datetimeFigureOut">
               <a:rPr lang="en-US" smtClean="0"/>
-              <a:t>10/20/2021</a:t>
+              <a:t>12/6/2021</a:t>
             </a:fld>
             <a:endParaRPr lang="en-US"/>
           </a:p>
@@ -1728,7 +1729,7 @@
           <a:p>
             <a:fld id="{A67D087F-8803-444D-B9B2-709C7947D58C}" type="datetimeFigureOut">
               <a:rPr lang="en-US" smtClean="0"/>
-              <a:t>10/20/2021</a:t>
+              <a:t>12/6/2021</a:t>
             </a:fld>
             <a:endParaRPr lang="en-US"/>
           </a:p>
@@ -1823,7 +1824,7 @@
           <a:p>
             <a:fld id="{A67D087F-8803-444D-B9B2-709C7947D58C}" type="datetimeFigureOut">
               <a:rPr lang="en-US" smtClean="0"/>
-              <a:t>10/20/2021</a:t>
+              <a:t>12/6/2021</a:t>
             </a:fld>
             <a:endParaRPr lang="en-US"/>
           </a:p>
@@ -2100,7 +2101,7 @@
           <a:p>
             <a:fld id="{A67D087F-8803-444D-B9B2-709C7947D58C}" type="datetimeFigureOut">
               <a:rPr lang="en-US" smtClean="0"/>
-              <a:t>10/20/2021</a:t>
+              <a:t>12/6/2021</a:t>
             </a:fld>
             <a:endParaRPr lang="en-US"/>
           </a:p>
@@ -2353,7 +2354,7 @@
           <a:p>
             <a:fld id="{A67D087F-8803-444D-B9B2-709C7947D58C}" type="datetimeFigureOut">
               <a:rPr lang="en-US" smtClean="0"/>
-              <a:t>10/20/2021</a:t>
+              <a:t>12/6/2021</a:t>
             </a:fld>
             <a:endParaRPr lang="en-US"/>
           </a:p>
@@ -2566,7 +2567,7 @@
           <a:p>
             <a:fld id="{A67D087F-8803-444D-B9B2-709C7947D58C}" type="datetimeFigureOut">
               <a:rPr lang="en-US" smtClean="0"/>
-              <a:t>10/20/2021</a:t>
+              <a:t>12/6/2021</a:t>
             </a:fld>
             <a:endParaRPr lang="en-US"/>
           </a:p>
@@ -3663,11 +3664,7 @@
             </a:pPr>
             <a:r>
               <a:rPr lang="da-DK" sz="1600" dirty="0" smtClean="0"/>
-              <a:t>CV </a:t>
-            </a:r>
-            <a:r>
-              <a:rPr lang="da-DK" sz="1600" dirty="0" smtClean="0"/>
-              <a:t>for </a:t>
+              <a:t>CV for </a:t>
             </a:r>
             <a:r>
               <a:rPr lang="da-DK" sz="1600" dirty="0" err="1" smtClean="0"/>
@@ -3683,21 +3680,17 @@
             </a:r>
             <a:r>
               <a:rPr lang="da-DK" sz="1600" dirty="0" smtClean="0"/>
+              <a:t> (</a:t>
+            </a:r>
+            <a:r>
+              <a:rPr lang="da-DK" sz="1600" dirty="0" err="1" smtClean="0"/>
+              <a:t>see</a:t>
+            </a:r>
+            <a:r>
+              <a:rPr lang="da-DK" sz="1600" dirty="0" smtClean="0"/>
               <a:t> </a:t>
             </a:r>
             <a:r>
-              <a:rPr lang="da-DK" sz="1600" dirty="0" smtClean="0"/>
-              <a:t>(</a:t>
-            </a:r>
-            <a:r>
-              <a:rPr lang="da-DK" sz="1600" dirty="0" err="1" smtClean="0"/>
-              <a:t>see</a:t>
-            </a:r>
-            <a:r>
-              <a:rPr lang="da-DK" sz="1600" dirty="0" smtClean="0"/>
-              <a:t> </a:t>
-            </a:r>
-            <a:r>
               <a:rPr lang="da-DK" sz="1600" dirty="0" err="1" smtClean="0"/>
               <a:t>next</a:t>
             </a:r>
@@ -3705,7 +3698,6 @@
               <a:rPr lang="da-DK" sz="1600" dirty="0" smtClean="0"/>
               <a:t> slide)</a:t>
             </a:r>
-            <a:endParaRPr lang="da-DK" sz="1600" dirty="0" smtClean="0"/>
           </a:p>
           <a:p>
             <a:pPr marL="285750" indent="-285750">
@@ -3808,15 +3800,7 @@
             </a:r>
             <a:r>
               <a:rPr lang="da-DK" sz="1600" dirty="0" smtClean="0"/>
-              <a:t> the last </a:t>
-            </a:r>
-            <a:r>
-              <a:rPr lang="da-DK" sz="1600" dirty="0" smtClean="0"/>
-              <a:t>50</a:t>
-            </a:r>
-            <a:r>
-              <a:rPr lang="da-DK" sz="1600" dirty="0" smtClean="0"/>
-              <a:t> </a:t>
+              <a:t> the last 50 </a:t>
             </a:r>
             <a:r>
               <a:rPr lang="da-DK" sz="1600" dirty="0" err="1" smtClean="0"/>
@@ -3858,7 +3842,6 @@
               <a:rPr lang="da-DK" sz="1600" dirty="0" smtClean="0"/>
               <a:t>.</a:t>
             </a:r>
-            <a:endParaRPr lang="da-DK" sz="1600" dirty="0" smtClean="0"/>
           </a:p>
           <a:p>
             <a:pPr marL="285750" indent="-285750">
@@ -3915,11 +3898,7 @@
             </a:r>
             <a:r>
               <a:rPr lang="da-DK" sz="1600" dirty="0" smtClean="0"/>
-              <a:t>. </a:t>
-            </a:r>
-            <a:r>
-              <a:rPr lang="da-DK" sz="1600" dirty="0" smtClean="0"/>
-              <a:t>a control-run, </a:t>
+              <a:t>. a control-run, </a:t>
             </a:r>
             <a:r>
               <a:rPr lang="da-DK" sz="1600" dirty="0" err="1" smtClean="0"/>
@@ -4560,11 +4539,7 @@
             </a:r>
             <a:r>
               <a:rPr lang="da-DK" sz="1400" b="1" dirty="0" smtClean="0"/>
-              <a:t> with median and </a:t>
-            </a:r>
-            <a:r>
-              <a:rPr lang="da-DK" sz="1400" b="1" dirty="0" smtClean="0"/>
-              <a:t>CV</a:t>
+              <a:t> with median and CV</a:t>
             </a:r>
             <a:r>
               <a:rPr lang="da-DK" sz="1400" b="1" baseline="-25000" dirty="0" smtClean="0"/>
@@ -9401,6 +9376,455 @@
     <p:extLst>
       <p:ext uri="{BB962C8B-B14F-4D97-AF65-F5344CB8AC3E}">
         <p14:creationId xmlns:p14="http://schemas.microsoft.com/office/powerpoint/2010/main" val="1164646812"/>
+      </p:ext>
+    </p:extLst>
+  </p:cSld>
+  <p:clrMapOvr>
+    <a:masterClrMapping/>
+  </p:clrMapOvr>
+</p:sld>
+</file>
+
+<file path=ppt/slides/slide4.xml><?xml version="1.0" encoding="utf-8"?>
+<p:sld xmlns:a="http://schemas.openxmlformats.org/drawingml/2006/main" xmlns:r="http://schemas.openxmlformats.org/officeDocument/2006/relationships" xmlns:p="http://schemas.openxmlformats.org/presentationml/2006/main">
+  <p:cSld>
+    <p:spTree>
+      <p:nvGrpSpPr>
+        <p:cNvPr id="1" name=""/>
+        <p:cNvGrpSpPr/>
+        <p:nvPr/>
+      </p:nvGrpSpPr>
+      <p:grpSpPr>
+        <a:xfrm>
+          <a:off x="0" y="0"/>
+          <a:ext cx="0" cy="0"/>
+          <a:chOff x="0" y="0"/>
+          <a:chExt cx="0" cy="0"/>
+        </a:xfrm>
+      </p:grpSpPr>
+      <p:sp>
+        <p:nvSpPr>
+          <p:cNvPr id="2" name="TextBox 1"/>
+          <p:cNvSpPr txBox="1"/>
+          <p:nvPr/>
+        </p:nvSpPr>
+        <p:spPr>
+          <a:xfrm>
+            <a:off x="2493108" y="508000"/>
+            <a:ext cx="7815384" cy="369332"/>
+          </a:xfrm>
+          <a:prstGeom prst="rect">
+            <a:avLst/>
+          </a:prstGeom>
+          <a:noFill/>
+        </p:spPr>
+        <p:txBody>
+          <a:bodyPr wrap="square" rtlCol="0">
+            <a:spAutoFit/>
+          </a:bodyPr>
+          <a:lstStyle/>
+          <a:p>
+            <a:r>
+              <a:rPr lang="en-US" dirty="0" err="1" smtClean="0"/>
+              <a:t>Resultater</a:t>
+            </a:r>
+            <a:endParaRPr lang="en-US" dirty="0"/>
+          </a:p>
+        </p:txBody>
+      </p:sp>
+      <mc:AlternateContent xmlns:mc="http://schemas.openxmlformats.org/markup-compatibility/2006">
+        <mc:Choice xmlns:a14="http://schemas.microsoft.com/office/drawing/2010/main" Requires="a14">
+          <p:sp>
+            <p:nvSpPr>
+              <p:cNvPr id="5" name="TextBox 4"/>
+              <p:cNvSpPr txBox="1"/>
+              <p:nvPr/>
+            </p:nvSpPr>
+            <p:spPr>
+              <a:xfrm>
+                <a:off x="3255107" y="1246664"/>
+                <a:ext cx="2094484" cy="613951"/>
+              </a:xfrm>
+              <a:prstGeom prst="rect">
+                <a:avLst/>
+              </a:prstGeom>
+              <a:noFill/>
+            </p:spPr>
+            <p:txBody>
+              <a:bodyPr wrap="none" lIns="0" tIns="0" rIns="0" bIns="0" rtlCol="0">
+                <a:spAutoFit/>
+              </a:bodyPr>
+              <a:lstStyle/>
+              <a:p>
+                <a14:m>
+                  <m:oMathPara xmlns:m="http://schemas.openxmlformats.org/officeDocument/2006/math">
+                    <m:oMathParaPr>
+                      <m:jc m:val="centerGroup"/>
+                    </m:oMathParaPr>
+                    <m:oMath xmlns:m="http://schemas.openxmlformats.org/officeDocument/2006/math">
+                      <m:r>
+                        <m:rPr>
+                          <m:sty m:val="p"/>
+                        </m:rPr>
+                        <a:rPr lang="en-US" i="1" dirty="0" smtClean="0"/>
+                        <m:t>Ω</m:t>
+                      </m:r>
+                      <m:r>
+                        <a:rPr lang="en-US" b="0" i="1" smtClean="0">
+                          <a:latin typeface="Cambria Math" panose="02040503050406030204" pitchFamily="18" charset="0"/>
+                        </a:rPr>
+                        <m:t>=</m:t>
+                      </m:r>
+                      <m:f>
+                        <m:fPr>
+                          <m:ctrlPr>
+                            <a:rPr lang="en-US" b="0" i="1" smtClean="0">
+                              <a:latin typeface="Cambria Math" panose="02040503050406030204" pitchFamily="18" charset="0"/>
+                            </a:rPr>
+                          </m:ctrlPr>
+                        </m:fPr>
+                        <m:num>
+                          <m:r>
+                            <a:rPr lang="en-US" b="0" i="1" smtClean="0">
+                              <a:latin typeface="Cambria Math" panose="02040503050406030204" pitchFamily="18" charset="0"/>
+                            </a:rPr>
+                            <m:t>1</m:t>
+                          </m:r>
+                        </m:num>
+                        <m:den>
+                          <m:func>
+                            <m:funcPr>
+                              <m:ctrlPr>
+                                <a:rPr lang="en-US" b="0" i="1" smtClean="0">
+                                  <a:latin typeface="Cambria Math" panose="02040503050406030204" pitchFamily="18" charset="0"/>
+                                </a:rPr>
+                              </m:ctrlPr>
+                            </m:funcPr>
+                            <m:fName>
+                              <m:r>
+                                <m:rPr>
+                                  <m:sty m:val="p"/>
+                                </m:rPr>
+                                <a:rPr lang="en-US" b="0" i="0" smtClean="0">
+                                  <a:latin typeface="Cambria Math" panose="02040503050406030204" pitchFamily="18" charset="0"/>
+                                </a:rPr>
+                                <m:t>exp</m:t>
+                              </m:r>
+                            </m:fName>
+                            <m:e>
+                              <m:d>
+                                <m:dPr>
+                                  <m:ctrlPr>
+                                    <a:rPr lang="en-US" b="0" i="1" smtClean="0">
+                                      <a:latin typeface="Cambria Math" panose="02040503050406030204" pitchFamily="18" charset="0"/>
+                                    </a:rPr>
+                                  </m:ctrlPr>
+                                </m:dPr>
+                                <m:e>
+                                  <m:r>
+                                    <a:rPr lang="en-US" b="0" i="1" smtClean="0">
+                                      <a:latin typeface="Cambria Math" panose="02040503050406030204" pitchFamily="18" charset="0"/>
+                                    </a:rPr>
+                                    <m:t>−</m:t>
+                                  </m:r>
+                                  <m:r>
+                                    <a:rPr lang="en-US" b="0" i="1" smtClean="0">
+                                      <a:latin typeface="Cambria Math" panose="02040503050406030204" pitchFamily="18" charset="0"/>
+                                    </a:rPr>
+                                    <m:t>𝛾</m:t>
+                                  </m:r>
+                                  <m:d>
+                                    <m:dPr>
+                                      <m:ctrlPr>
+                                        <a:rPr lang="en-US" b="0" i="1" smtClean="0">
+                                          <a:latin typeface="Cambria Math" panose="02040503050406030204" pitchFamily="18" charset="0"/>
+                                        </a:rPr>
+                                      </m:ctrlPr>
+                                    </m:dPr>
+                                    <m:e>
+                                      <m:r>
+                                        <a:rPr lang="en-US" b="0" i="1" smtClean="0">
+                                          <a:latin typeface="Cambria Math" panose="02040503050406030204" pitchFamily="18" charset="0"/>
+                                        </a:rPr>
+                                        <m:t>𝑥</m:t>
+                                      </m:r>
+                                      <m:r>
+                                        <a:rPr lang="en-US" b="0" i="1" smtClean="0">
+                                          <a:latin typeface="Cambria Math" panose="02040503050406030204" pitchFamily="18" charset="0"/>
+                                        </a:rPr>
+                                        <m:t>−</m:t>
+                                      </m:r>
+                                      <m:r>
+                                        <a:rPr lang="en-US" b="0" i="1" smtClean="0">
+                                          <a:latin typeface="Cambria Math" panose="02040503050406030204" pitchFamily="18" charset="0"/>
+                                        </a:rPr>
+                                        <m:t>𝜆</m:t>
+                                      </m:r>
+                                    </m:e>
+                                  </m:d>
+                                </m:e>
+                              </m:d>
+                            </m:e>
+                          </m:func>
+                        </m:den>
+                      </m:f>
+                    </m:oMath>
+                  </m:oMathPara>
+                </a14:m>
+                <a:endParaRPr lang="en-US" dirty="0"/>
+              </a:p>
+            </p:txBody>
+          </p:sp>
+        </mc:Choice>
+        <mc:Fallback>
+          <p:sp>
+            <p:nvSpPr>
+              <p:cNvPr id="5" name="TextBox 4"/>
+              <p:cNvSpPr txBox="1">
+                <a:spLocks noRot="1" noChangeAspect="1" noMove="1" noResize="1" noEditPoints="1" noAdjustHandles="1" noChangeArrowheads="1" noChangeShapeType="1" noTextEdit="1"/>
+              </p:cNvSpPr>
+              <p:nvPr/>
+            </p:nvSpPr>
+            <p:spPr>
+              <a:xfrm>
+                <a:off x="3255107" y="1246664"/>
+                <a:ext cx="2094484" cy="613951"/>
+              </a:xfrm>
+              <a:prstGeom prst="rect">
+                <a:avLst/>
+              </a:prstGeom>
+              <a:blipFill>
+                <a:blip r:embed="rId2"/>
+                <a:stretch>
+                  <a:fillRect/>
+                </a:stretch>
+              </a:blipFill>
+            </p:spPr>
+            <p:txBody>
+              <a:bodyPr/>
+              <a:lstStyle/>
+              <a:p>
+                <a:r>
+                  <a:rPr lang="en-US">
+                    <a:noFill/>
+                  </a:rPr>
+                  <a:t> </a:t>
+                </a:r>
+              </a:p>
+            </p:txBody>
+          </p:sp>
+        </mc:Fallback>
+      </mc:AlternateContent>
+      <mc:AlternateContent xmlns:mc="http://schemas.openxmlformats.org/markup-compatibility/2006">
+        <mc:Choice xmlns:a14="http://schemas.microsoft.com/office/drawing/2010/main" Requires="a14">
+          <p:sp>
+            <p:nvSpPr>
+              <p:cNvPr id="6" name="TextBox 5"/>
+              <p:cNvSpPr txBox="1"/>
+              <p:nvPr/>
+            </p:nvSpPr>
+            <p:spPr>
+              <a:xfrm>
+                <a:off x="3255107" y="2091447"/>
+                <a:ext cx="1013033" cy="276999"/>
+              </a:xfrm>
+              <a:prstGeom prst="rect">
+                <a:avLst/>
+              </a:prstGeom>
+              <a:noFill/>
+            </p:spPr>
+            <p:txBody>
+              <a:bodyPr wrap="none" lIns="0" tIns="0" rIns="0" bIns="0" rtlCol="0">
+                <a:spAutoFit/>
+              </a:bodyPr>
+              <a:lstStyle/>
+              <a:p>
+                <a14:m>
+                  <m:oMathPara xmlns:m="http://schemas.openxmlformats.org/officeDocument/2006/math">
+                    <m:oMathParaPr>
+                      <m:jc m:val="centerGroup"/>
+                    </m:oMathParaPr>
+                    <m:oMath xmlns:m="http://schemas.openxmlformats.org/officeDocument/2006/math">
+                      <m:sSub>
+                        <m:sSubPr>
+                          <m:ctrlPr>
+                            <a:rPr lang="en-US" b="0" i="1" smtClean="0">
+                              <a:latin typeface="Cambria Math" panose="02040503050406030204" pitchFamily="18" charset="0"/>
+                            </a:rPr>
+                          </m:ctrlPr>
+                        </m:sSubPr>
+                        <m:e>
+                          <m:r>
+                            <a:rPr lang="en-US" b="0" i="1" smtClean="0">
+                              <a:latin typeface="Cambria Math" panose="02040503050406030204" pitchFamily="18" charset="0"/>
+                            </a:rPr>
+                            <m:t>𝑅</m:t>
+                          </m:r>
+                        </m:e>
+                        <m:sub>
+                          <m:r>
+                            <a:rPr lang="en-US" b="0" i="1" smtClean="0">
+                              <a:latin typeface="Cambria Math" panose="02040503050406030204" pitchFamily="18" charset="0"/>
+                            </a:rPr>
+                            <m:t>0</m:t>
+                          </m:r>
+                        </m:sub>
+                      </m:sSub>
+                      <m:r>
+                        <a:rPr lang="en-US" b="0" i="1" smtClean="0">
+                          <a:latin typeface="Cambria Math" panose="02040503050406030204" pitchFamily="18" charset="0"/>
+                        </a:rPr>
+                        <m:t>=</m:t>
+                      </m:r>
+                      <m:r>
+                        <m:rPr>
+                          <m:sty m:val="p"/>
+                        </m:rPr>
+                        <a:rPr lang="en-US" b="0" i="0" smtClean="0">
+                          <a:latin typeface="Cambria Math" panose="02040503050406030204" pitchFamily="18" charset="0"/>
+                        </a:rPr>
+                        <m:t>Ω</m:t>
+                      </m:r>
+                      <m:sSub>
+                        <m:sSubPr>
+                          <m:ctrlPr>
+                            <a:rPr lang="en-US" b="0" i="1" smtClean="0">
+                              <a:latin typeface="Cambria Math" panose="02040503050406030204" pitchFamily="18" charset="0"/>
+                            </a:rPr>
+                          </m:ctrlPr>
+                        </m:sSubPr>
+                        <m:e>
+                          <m:r>
+                            <a:rPr lang="en-US" b="0" i="1" smtClean="0">
+                              <a:latin typeface="Cambria Math" panose="02040503050406030204" pitchFamily="18" charset="0"/>
+                            </a:rPr>
+                            <m:t>𝑅</m:t>
+                          </m:r>
+                        </m:e>
+                        <m:sub>
+                          <m:r>
+                            <a:rPr lang="en-US" b="0" i="1" smtClean="0">
+                              <a:latin typeface="Cambria Math" panose="02040503050406030204" pitchFamily="18" charset="0"/>
+                            </a:rPr>
+                            <m:t>0</m:t>
+                          </m:r>
+                        </m:sub>
+                      </m:sSub>
+                    </m:oMath>
+                  </m:oMathPara>
+                </a14:m>
+                <a:endParaRPr lang="en-US" dirty="0"/>
+              </a:p>
+            </p:txBody>
+          </p:sp>
+        </mc:Choice>
+        <mc:Fallback>
+          <p:sp>
+            <p:nvSpPr>
+              <p:cNvPr id="6" name="TextBox 5"/>
+              <p:cNvSpPr txBox="1">
+                <a:spLocks noRot="1" noChangeAspect="1" noMove="1" noResize="1" noEditPoints="1" noAdjustHandles="1" noChangeArrowheads="1" noChangeShapeType="1" noTextEdit="1"/>
+              </p:cNvSpPr>
+              <p:nvPr/>
+            </p:nvSpPr>
+            <p:spPr>
+              <a:xfrm>
+                <a:off x="3255107" y="2091447"/>
+                <a:ext cx="1013033" cy="276999"/>
+              </a:xfrm>
+              <a:prstGeom prst="rect">
+                <a:avLst/>
+              </a:prstGeom>
+              <a:blipFill>
+                <a:blip r:embed="rId3"/>
+                <a:stretch>
+                  <a:fillRect l="-5422" r="-1807" b="-15217"/>
+                </a:stretch>
+              </a:blipFill>
+            </p:spPr>
+            <p:txBody>
+              <a:bodyPr/>
+              <a:lstStyle/>
+              <a:p>
+                <a:r>
+                  <a:rPr lang="en-US">
+                    <a:noFill/>
+                  </a:rPr>
+                  <a:t> </a:t>
+                </a:r>
+              </a:p>
+            </p:txBody>
+          </p:sp>
+        </mc:Fallback>
+      </mc:AlternateContent>
+      <p:pic>
+        <p:nvPicPr>
+          <p:cNvPr id="7" name="Picture 6"/>
+          <p:cNvPicPr>
+            <a:picLocks noChangeAspect="1"/>
+          </p:cNvPicPr>
+          <p:nvPr/>
+        </p:nvPicPr>
+        <p:blipFill>
+          <a:blip r:embed="rId4" cstate="print">
+            <a:extLst>
+              <a:ext uri="{28A0092B-C50C-407E-A947-70E740481C1C}">
+                <a14:useLocalDpi xmlns:a14="http://schemas.microsoft.com/office/drawing/2010/main" val="0"/>
+              </a:ext>
+            </a:extLst>
+          </a:blip>
+          <a:stretch>
+            <a:fillRect/>
+          </a:stretch>
+        </p:blipFill>
+        <p:spPr>
+          <a:xfrm>
+            <a:off x="5702070" y="877332"/>
+            <a:ext cx="5758445" cy="5758445"/>
+          </a:xfrm>
+          <a:prstGeom prst="rect">
+            <a:avLst/>
+          </a:prstGeom>
+        </p:spPr>
+      </p:pic>
+      <p:sp>
+        <p:nvSpPr>
+          <p:cNvPr id="8" name="TextBox 7"/>
+          <p:cNvSpPr txBox="1"/>
+          <p:nvPr/>
+        </p:nvSpPr>
+        <p:spPr>
+          <a:xfrm>
+            <a:off x="2493108" y="2735384"/>
+            <a:ext cx="2729805" cy="2585323"/>
+          </a:xfrm>
+          <a:prstGeom prst="rect">
+            <a:avLst/>
+          </a:prstGeom>
+          <a:noFill/>
+        </p:spPr>
+        <p:txBody>
+          <a:bodyPr wrap="square" rtlCol="0">
+            <a:spAutoFit/>
+          </a:bodyPr>
+          <a:lstStyle/>
+          <a:p>
+            <a:r>
+              <a:rPr lang="en-US" dirty="0" smtClean="0"/>
+              <a:t>BOFF: increase in capacity of spawning with more older fish. Decrease in capacity with younger (can be disabled).  Gamma controls the magnitude, and lambda the fraction of spawners </a:t>
+            </a:r>
+            <a:r>
+              <a:rPr lang="en-US" smtClean="0"/>
+              <a:t>the function begins. </a:t>
+            </a:r>
+            <a:endParaRPr lang="en-US" dirty="0"/>
+          </a:p>
+        </p:txBody>
+      </p:sp>
+    </p:spTree>
+    <p:extLst>
+      <p:ext uri="{BB962C8B-B14F-4D97-AF65-F5344CB8AC3E}">
+        <p14:creationId xmlns:p14="http://schemas.microsoft.com/office/powerpoint/2010/main" val="4251125123"/>
       </p:ext>
     </p:extLst>
   </p:cSld>
